--- a/mlmi-workshop/mlmi.pptx
+++ b/mlmi-workshop/mlmi.pptx
@@ -241,7 +241,7 @@
           <a:p>
             <a:fld id="{0A775B37-2860-4B20-AE28-3A4779CAF694}" type="datetimeFigureOut">
               <a:rPr lang="de-DE" smtClean="0"/>
-              <a:t>10.09.20</a:t>
+              <a:t>11.09.20</a:t>
             </a:fld>
             <a:endParaRPr lang="de-DE"/>
           </a:p>
@@ -409,7 +409,7 @@
           <a:p>
             <a:fld id="{0A775B37-2860-4B20-AE28-3A4779CAF694}" type="datetimeFigureOut">
               <a:rPr lang="de-DE" smtClean="0"/>
-              <a:t>10.09.20</a:t>
+              <a:t>11.09.20</a:t>
             </a:fld>
             <a:endParaRPr lang="de-DE"/>
           </a:p>
@@ -587,7 +587,7 @@
           <a:p>
             <a:fld id="{0A775B37-2860-4B20-AE28-3A4779CAF694}" type="datetimeFigureOut">
               <a:rPr lang="de-DE" smtClean="0"/>
-              <a:t>10.09.20</a:t>
+              <a:t>11.09.20</a:t>
             </a:fld>
             <a:endParaRPr lang="de-DE"/>
           </a:p>
@@ -755,7 +755,7 @@
           <a:p>
             <a:fld id="{0A775B37-2860-4B20-AE28-3A4779CAF694}" type="datetimeFigureOut">
               <a:rPr lang="de-DE" smtClean="0"/>
-              <a:t>10.09.20</a:t>
+              <a:t>11.09.20</a:t>
             </a:fld>
             <a:endParaRPr lang="de-DE"/>
           </a:p>
@@ -1000,7 +1000,7 @@
           <a:p>
             <a:fld id="{0A775B37-2860-4B20-AE28-3A4779CAF694}" type="datetimeFigureOut">
               <a:rPr lang="de-DE" smtClean="0"/>
-              <a:t>10.09.20</a:t>
+              <a:t>11.09.20</a:t>
             </a:fld>
             <a:endParaRPr lang="de-DE"/>
           </a:p>
@@ -1229,7 +1229,7 @@
           <a:p>
             <a:fld id="{0A775B37-2860-4B20-AE28-3A4779CAF694}" type="datetimeFigureOut">
               <a:rPr lang="de-DE" smtClean="0"/>
-              <a:t>10.09.20</a:t>
+              <a:t>11.09.20</a:t>
             </a:fld>
             <a:endParaRPr lang="de-DE"/>
           </a:p>
@@ -1593,7 +1593,7 @@
           <a:p>
             <a:fld id="{0A775B37-2860-4B20-AE28-3A4779CAF694}" type="datetimeFigureOut">
               <a:rPr lang="de-DE" smtClean="0"/>
-              <a:t>10.09.20</a:t>
+              <a:t>11.09.20</a:t>
             </a:fld>
             <a:endParaRPr lang="de-DE"/>
           </a:p>
@@ -1710,7 +1710,7 @@
           <a:p>
             <a:fld id="{0A775B37-2860-4B20-AE28-3A4779CAF694}" type="datetimeFigureOut">
               <a:rPr lang="de-DE" smtClean="0"/>
-              <a:t>10.09.20</a:t>
+              <a:t>11.09.20</a:t>
             </a:fld>
             <a:endParaRPr lang="de-DE"/>
           </a:p>
@@ -1805,7 +1805,7 @@
           <a:p>
             <a:fld id="{0A775B37-2860-4B20-AE28-3A4779CAF694}" type="datetimeFigureOut">
               <a:rPr lang="de-DE" smtClean="0"/>
-              <a:t>10.09.20</a:t>
+              <a:t>11.09.20</a:t>
             </a:fld>
             <a:endParaRPr lang="de-DE"/>
           </a:p>
@@ -2080,7 +2080,7 @@
           <a:p>
             <a:fld id="{0A775B37-2860-4B20-AE28-3A4779CAF694}" type="datetimeFigureOut">
               <a:rPr lang="de-DE" smtClean="0"/>
-              <a:t>10.09.20</a:t>
+              <a:t>11.09.20</a:t>
             </a:fld>
             <a:endParaRPr lang="de-DE"/>
           </a:p>
@@ -2332,7 +2332,7 @@
           <a:p>
             <a:fld id="{0A775B37-2860-4B20-AE28-3A4779CAF694}" type="datetimeFigureOut">
               <a:rPr lang="de-DE" smtClean="0"/>
-              <a:t>10.09.20</a:t>
+              <a:t>11.09.20</a:t>
             </a:fld>
             <a:endParaRPr lang="de-DE"/>
           </a:p>
@@ -2543,7 +2543,7 @@
           <a:p>
             <a:fld id="{0A775B37-2860-4B20-AE28-3A4779CAF694}" type="datetimeFigureOut">
               <a:rPr lang="de-DE" smtClean="0"/>
-              <a:t>10.09.20</a:t>
+              <a:t>11.09.20</a:t>
             </a:fld>
             <a:endParaRPr lang="de-DE"/>
           </a:p>
@@ -2948,421 +2948,22 @@
           <a:chExt cx="0" cy="0"/>
         </a:xfrm>
       </p:grpSpPr>
-      <p:grpSp>
-        <p:nvGrpSpPr>
-          <p:cNvPr id="22" name="Group 21">
-            <a:extLst>
-              <a:ext uri="{FF2B5EF4-FFF2-40B4-BE49-F238E27FC236}">
-                <a16:creationId xmlns:a16="http://schemas.microsoft.com/office/drawing/2014/main" id="{BF2AFF49-455E-E648-94CB-1A1A191394CC}"/>
-              </a:ext>
-            </a:extLst>
-          </p:cNvPr>
-          <p:cNvGrpSpPr/>
-          <p:nvPr/>
-        </p:nvGrpSpPr>
-        <p:grpSpPr>
-          <a:xfrm>
-            <a:off x="1495495" y="2092695"/>
-            <a:ext cx="9159498" cy="4551904"/>
-            <a:chOff x="1779912" y="2115520"/>
-            <a:chExt cx="9159498" cy="4551904"/>
-          </a:xfrm>
-        </p:grpSpPr>
-        <p:pic>
-          <p:nvPicPr>
-            <p:cNvPr id="9" name="Picture 8" descr="A screenshot of a cell phone&#10;&#10;Description automatically generated">
-              <a:extLst>
-                <a:ext uri="{FF2B5EF4-FFF2-40B4-BE49-F238E27FC236}">
-                  <a16:creationId xmlns:a16="http://schemas.microsoft.com/office/drawing/2014/main" id="{F1021DA6-1396-3147-A1E1-069EC341E690}"/>
-                </a:ext>
-              </a:extLst>
-            </p:cNvPr>
-            <p:cNvPicPr>
-              <a:picLocks noChangeAspect="1"/>
-            </p:cNvPicPr>
-            <p:nvPr/>
-          </p:nvPicPr>
-          <p:blipFill>
-            <a:blip r:embed="rId2">
-              <a:extLst>
-                <a:ext uri="{28A0092B-C50C-407E-A947-70E740481C1C}">
-                  <a14:useLocalDpi xmlns:a14="http://schemas.microsoft.com/office/drawing/2010/main" val="0"/>
-                </a:ext>
-              </a:extLst>
-            </a:blip>
-            <a:stretch>
-              <a:fillRect/>
-            </a:stretch>
-          </p:blipFill>
-          <p:spPr>
-            <a:xfrm>
-              <a:off x="1779912" y="2115520"/>
-              <a:ext cx="6847953" cy="3122185"/>
-            </a:xfrm>
-            <a:prstGeom prst="rect">
-              <a:avLst/>
-            </a:prstGeom>
-            <a:ln>
-              <a:noFill/>
-            </a:ln>
-          </p:spPr>
-        </p:pic>
-        <p:pic>
-          <p:nvPicPr>
-            <p:cNvPr id="11" name="Picture 10" descr="A screenshot of a cell phone&#10;&#10;Description automatically generated">
-              <a:extLst>
-                <a:ext uri="{FF2B5EF4-FFF2-40B4-BE49-F238E27FC236}">
-                  <a16:creationId xmlns:a16="http://schemas.microsoft.com/office/drawing/2014/main" id="{34A03F3B-46BC-134E-90E4-9E84A7947A3F}"/>
-                </a:ext>
-              </a:extLst>
-            </p:cNvPr>
-            <p:cNvPicPr>
-              <a:picLocks noChangeAspect="1"/>
-            </p:cNvPicPr>
-            <p:nvPr/>
-          </p:nvPicPr>
-          <p:blipFill>
-            <a:blip r:embed="rId3">
-              <a:extLst>
-                <a:ext uri="{28A0092B-C50C-407E-A947-70E740481C1C}">
-                  <a14:useLocalDpi xmlns:a14="http://schemas.microsoft.com/office/drawing/2010/main" val="0"/>
-                </a:ext>
-              </a:extLst>
-            </a:blip>
-            <a:stretch>
-              <a:fillRect/>
-            </a:stretch>
-          </p:blipFill>
-          <p:spPr>
-            <a:xfrm>
-              <a:off x="4726905" y="4791429"/>
-              <a:ext cx="6212505" cy="1875995"/>
-            </a:xfrm>
-            <a:prstGeom prst="rect">
-              <a:avLst/>
-            </a:prstGeom>
-            <a:ln>
-              <a:noFill/>
-            </a:ln>
-          </p:spPr>
-        </p:pic>
-        <p:sp>
-          <p:nvSpPr>
-            <p:cNvPr id="12" name="Trapezoid 11">
-              <a:extLst>
-                <a:ext uri="{FF2B5EF4-FFF2-40B4-BE49-F238E27FC236}">
-                  <a16:creationId xmlns:a16="http://schemas.microsoft.com/office/drawing/2014/main" id="{06A8EAC8-CA90-5C43-B0A8-AA46270A9FCC}"/>
-                </a:ext>
-              </a:extLst>
-            </p:cNvPr>
-            <p:cNvSpPr/>
-            <p:nvPr/>
-          </p:nvSpPr>
-          <p:spPr>
-            <a:xfrm>
-              <a:off x="4877490" y="4543926"/>
-              <a:ext cx="5992284" cy="305680"/>
-            </a:xfrm>
-            <a:prstGeom prst="trapezoid">
-              <a:avLst>
-                <a:gd name="adj" fmla="val 772995"/>
-              </a:avLst>
-            </a:prstGeom>
-            <a:solidFill>
-              <a:schemeClr val="accent5">
-                <a:lumMod val="60000"/>
-                <a:lumOff val="40000"/>
-              </a:schemeClr>
-            </a:solidFill>
-            <a:ln>
-              <a:noFill/>
-            </a:ln>
-          </p:spPr>
-          <p:style>
-            <a:lnRef idx="2">
-              <a:schemeClr val="accent1">
-                <a:shade val="50000"/>
-              </a:schemeClr>
-            </a:lnRef>
-            <a:fillRef idx="1">
-              <a:schemeClr val="accent1"/>
-            </a:fillRef>
-            <a:effectRef idx="0">
-              <a:schemeClr val="accent1"/>
-            </a:effectRef>
-            <a:fontRef idx="minor">
-              <a:schemeClr val="lt1"/>
-            </a:fontRef>
-          </p:style>
-          <p:txBody>
-            <a:bodyPr rtlCol="0" anchor="ctr"/>
-            <a:lstStyle/>
-            <a:p>
-              <a:pPr algn="ctr"/>
-              <a:endParaRPr lang="en-US"/>
-            </a:p>
-          </p:txBody>
-        </p:sp>
-        <p:pic>
-          <p:nvPicPr>
-            <p:cNvPr id="14" name="Graphic 13" descr="Checkmark">
-              <a:extLst>
-                <a:ext uri="{FF2B5EF4-FFF2-40B4-BE49-F238E27FC236}">
-                  <a16:creationId xmlns:a16="http://schemas.microsoft.com/office/drawing/2014/main" id="{EC26E3DB-E986-BB4F-BC11-92E82185F7B5}"/>
-                </a:ext>
-              </a:extLst>
-            </p:cNvPr>
-            <p:cNvPicPr>
-              <a:picLocks noChangeAspect="1"/>
-            </p:cNvPicPr>
-            <p:nvPr/>
-          </p:nvPicPr>
-          <p:blipFill>
-            <a:blip r:embed="rId4">
-              <a:extLst>
-                <a:ext uri="{28A0092B-C50C-407E-A947-70E740481C1C}">
-                  <a14:useLocalDpi xmlns:a14="http://schemas.microsoft.com/office/drawing/2010/main" val="0"/>
-                </a:ext>
-                <a:ext uri="{96DAC541-7B7A-43D3-8B79-37D633B846F1}">
-                  <asvg:svgBlip xmlns:asvg="http://schemas.microsoft.com/office/drawing/2016/SVG/main" r:embed="rId5"/>
-                </a:ext>
-              </a:extLst>
-            </a:blip>
-            <a:stretch>
-              <a:fillRect/>
-            </a:stretch>
-          </p:blipFill>
-          <p:spPr>
-            <a:xfrm>
-              <a:off x="3477566" y="2433693"/>
-              <a:ext cx="466382" cy="408456"/>
-            </a:xfrm>
-            <a:prstGeom prst="rect">
-              <a:avLst/>
-            </a:prstGeom>
-          </p:spPr>
-        </p:pic>
-        <p:pic>
-          <p:nvPicPr>
-            <p:cNvPr id="17" name="Graphic 16" descr="Checkmark">
-              <a:extLst>
-                <a:ext uri="{FF2B5EF4-FFF2-40B4-BE49-F238E27FC236}">
-                  <a16:creationId xmlns:a16="http://schemas.microsoft.com/office/drawing/2014/main" id="{7E8A0068-B3DB-AF4E-9E72-79E40C27BDE1}"/>
-                </a:ext>
-              </a:extLst>
-            </p:cNvPr>
-            <p:cNvPicPr>
-              <a:picLocks noChangeAspect="1"/>
-            </p:cNvPicPr>
-            <p:nvPr/>
-          </p:nvPicPr>
-          <p:blipFill>
-            <a:blip r:embed="rId4">
-              <a:extLst>
-                <a:ext uri="{28A0092B-C50C-407E-A947-70E740481C1C}">
-                  <a14:useLocalDpi xmlns:a14="http://schemas.microsoft.com/office/drawing/2010/main" val="0"/>
-                </a:ext>
-                <a:ext uri="{96DAC541-7B7A-43D3-8B79-37D633B846F1}">
-                  <asvg:svgBlip xmlns:asvg="http://schemas.microsoft.com/office/drawing/2016/SVG/main" r:embed="rId5"/>
-                </a:ext>
-              </a:extLst>
-            </a:blip>
-            <a:stretch>
-              <a:fillRect/>
-            </a:stretch>
-          </p:blipFill>
-          <p:spPr>
-            <a:xfrm>
-              <a:off x="3477566" y="3718855"/>
-              <a:ext cx="466382" cy="408456"/>
-            </a:xfrm>
-            <a:prstGeom prst="rect">
-              <a:avLst/>
-            </a:prstGeom>
-          </p:spPr>
-        </p:pic>
-        <p:pic>
-          <p:nvPicPr>
-            <p:cNvPr id="18" name="Graphic 17" descr="Checkmark">
-              <a:extLst>
-                <a:ext uri="{FF2B5EF4-FFF2-40B4-BE49-F238E27FC236}">
-                  <a16:creationId xmlns:a16="http://schemas.microsoft.com/office/drawing/2014/main" id="{6834806F-D5CC-4643-9DD9-626670FED5E9}"/>
-                </a:ext>
-              </a:extLst>
-            </p:cNvPr>
-            <p:cNvPicPr>
-              <a:picLocks noChangeAspect="1"/>
-            </p:cNvPicPr>
-            <p:nvPr/>
-          </p:nvPicPr>
-          <p:blipFill>
-            <a:blip r:embed="rId4">
-              <a:extLst>
-                <a:ext uri="{28A0092B-C50C-407E-A947-70E740481C1C}">
-                  <a14:useLocalDpi xmlns:a14="http://schemas.microsoft.com/office/drawing/2010/main" val="0"/>
-                </a:ext>
-                <a:ext uri="{96DAC541-7B7A-43D3-8B79-37D633B846F1}">
-                  <asvg:svgBlip xmlns:asvg="http://schemas.microsoft.com/office/drawing/2016/SVG/main" r:embed="rId5"/>
-                </a:ext>
-              </a:extLst>
-            </a:blip>
-            <a:stretch>
-              <a:fillRect/>
-            </a:stretch>
-          </p:blipFill>
-          <p:spPr>
-            <a:xfrm>
-              <a:off x="4296864" y="3196453"/>
-              <a:ext cx="466382" cy="408456"/>
-            </a:xfrm>
-            <a:prstGeom prst="rect">
-              <a:avLst/>
-            </a:prstGeom>
-          </p:spPr>
-        </p:pic>
-        <p:pic>
-          <p:nvPicPr>
-            <p:cNvPr id="19" name="Graphic 18" descr="Checkmark">
-              <a:extLst>
-                <a:ext uri="{FF2B5EF4-FFF2-40B4-BE49-F238E27FC236}">
-                  <a16:creationId xmlns:a16="http://schemas.microsoft.com/office/drawing/2014/main" id="{39AE2C7D-ECFF-614F-AAE6-9D49F3EB81A2}"/>
-                </a:ext>
-              </a:extLst>
-            </p:cNvPr>
-            <p:cNvPicPr>
-              <a:picLocks noChangeAspect="1"/>
-            </p:cNvPicPr>
-            <p:nvPr/>
-          </p:nvPicPr>
-          <p:blipFill>
-            <a:blip r:embed="rId4">
-              <a:extLst>
-                <a:ext uri="{28A0092B-C50C-407E-A947-70E740481C1C}">
-                  <a14:useLocalDpi xmlns:a14="http://schemas.microsoft.com/office/drawing/2010/main" val="0"/>
-                </a:ext>
-                <a:ext uri="{96DAC541-7B7A-43D3-8B79-37D633B846F1}">
-                  <asvg:svgBlip xmlns:asvg="http://schemas.microsoft.com/office/drawing/2016/SVG/main" r:embed="rId5"/>
-                </a:ext>
-              </a:extLst>
-            </a:blip>
-            <a:stretch>
-              <a:fillRect/>
-            </a:stretch>
-          </p:blipFill>
-          <p:spPr>
-            <a:xfrm>
-              <a:off x="5594574" y="5549398"/>
-              <a:ext cx="466382" cy="408456"/>
-            </a:xfrm>
-            <a:prstGeom prst="rect">
-              <a:avLst/>
-            </a:prstGeom>
-          </p:spPr>
-        </p:pic>
-        <p:pic>
-          <p:nvPicPr>
-            <p:cNvPr id="20" name="Graphic 19" descr="Checkmark">
-              <a:extLst>
-                <a:ext uri="{FF2B5EF4-FFF2-40B4-BE49-F238E27FC236}">
-                  <a16:creationId xmlns:a16="http://schemas.microsoft.com/office/drawing/2014/main" id="{41166141-8E42-3F4F-829E-D92E4878879A}"/>
-                </a:ext>
-              </a:extLst>
-            </p:cNvPr>
-            <p:cNvPicPr>
-              <a:picLocks noChangeAspect="1"/>
-            </p:cNvPicPr>
-            <p:nvPr/>
-          </p:nvPicPr>
-          <p:blipFill>
-            <a:blip r:embed="rId4">
-              <a:extLst>
-                <a:ext uri="{28A0092B-C50C-407E-A947-70E740481C1C}">
-                  <a14:useLocalDpi xmlns:a14="http://schemas.microsoft.com/office/drawing/2010/main" val="0"/>
-                </a:ext>
-                <a:ext uri="{96DAC541-7B7A-43D3-8B79-37D633B846F1}">
-                  <asvg:svgBlip xmlns:asvg="http://schemas.microsoft.com/office/drawing/2016/SVG/main" r:embed="rId5"/>
-                </a:ext>
-              </a:extLst>
-            </a:blip>
-            <a:stretch>
-              <a:fillRect/>
-            </a:stretch>
-          </p:blipFill>
-          <p:spPr>
-            <a:xfrm>
-              <a:off x="8522789" y="6229014"/>
-              <a:ext cx="466382" cy="408456"/>
-            </a:xfrm>
-            <a:prstGeom prst="rect">
-              <a:avLst/>
-            </a:prstGeom>
-          </p:spPr>
-        </p:pic>
-        <p:pic>
-          <p:nvPicPr>
-            <p:cNvPr id="24" name="Graphic 23" descr="Checkmark">
-              <a:extLst>
-                <a:ext uri="{FF2B5EF4-FFF2-40B4-BE49-F238E27FC236}">
-                  <a16:creationId xmlns:a16="http://schemas.microsoft.com/office/drawing/2014/main" id="{25662557-9667-2E46-BDA0-347C905D3F06}"/>
-                </a:ext>
-              </a:extLst>
-            </p:cNvPr>
-            <p:cNvPicPr>
-              <a:picLocks noChangeAspect="1"/>
-            </p:cNvPicPr>
-            <p:nvPr/>
-          </p:nvPicPr>
-          <p:blipFill>
-            <a:blip r:embed="rId4">
-              <a:extLst>
-                <a:ext uri="{28A0092B-C50C-407E-A947-70E740481C1C}">
-                  <a14:useLocalDpi xmlns:a14="http://schemas.microsoft.com/office/drawing/2010/main" val="0"/>
-                </a:ext>
-                <a:ext uri="{96DAC541-7B7A-43D3-8B79-37D633B846F1}">
-                  <asvg:svgBlip xmlns:asvg="http://schemas.microsoft.com/office/drawing/2016/SVG/main" r:embed="rId5"/>
-                </a:ext>
-              </a:extLst>
-            </a:blip>
-            <a:stretch>
-              <a:fillRect/>
-            </a:stretch>
-          </p:blipFill>
-          <p:spPr>
-            <a:xfrm>
-              <a:off x="8522789" y="5681472"/>
-              <a:ext cx="466382" cy="408456"/>
-            </a:xfrm>
-            <a:prstGeom prst="rect">
-              <a:avLst/>
-            </a:prstGeom>
-          </p:spPr>
-        </p:pic>
-      </p:grpSp>
-      <p:sp>
-        <p:nvSpPr>
-          <p:cNvPr id="16" name="Rectangle 15">
-            <a:extLst>
-              <a:ext uri="{FF2B5EF4-FFF2-40B4-BE49-F238E27FC236}">
-                <a16:creationId xmlns:a16="http://schemas.microsoft.com/office/drawing/2014/main" id="{11204AE7-017B-4149-B719-579574CB82A0}"/>
-              </a:ext>
-            </a:extLst>
-          </p:cNvPr>
+      <p:sp>
+        <p:nvSpPr>
+          <p:cNvPr id="4" name="Rectangle 7"/>
           <p:cNvSpPr/>
           <p:nvPr/>
         </p:nvSpPr>
         <p:spPr>
           <a:xfrm>
-            <a:off x="433949" y="2022532"/>
-            <a:ext cx="11282591" cy="4742480"/>
+            <a:off x="1" y="1"/>
+            <a:ext cx="12191999" cy="1035050"/>
           </a:xfrm>
           <a:prstGeom prst="rect">
             <a:avLst/>
           </a:prstGeom>
           <a:solidFill>
-            <a:schemeClr val="bg1">
-              <a:lumMod val="85000"/>
-              <a:alpha val="10000"/>
-            </a:schemeClr>
+            <a:srgbClr val="019440"/>
           </a:solidFill>
           <a:ln>
             <a:noFill/>
@@ -3393,111 +2994,50 @@
           </a:p>
         </p:txBody>
       </p:sp>
-      <p:grpSp>
-        <p:nvGrpSpPr>
-          <p:cNvPr id="2" name="Group 1">
+      <p:pic>
+        <p:nvPicPr>
+          <p:cNvPr id="5" name="Picture 3"/>
+          <p:cNvPicPr>
+            <a:picLocks noChangeAspect="1"/>
+          </p:cNvPicPr>
+          <p:nvPr/>
+        </p:nvPicPr>
+        <p:blipFill rotWithShape="1">
+          <a:blip r:embed="rId2" cstate="print">
+            <a:extLst>
+              <a:ext uri="{28A0092B-C50C-407E-A947-70E740481C1C}">
+                <a14:useLocalDpi xmlns:a14="http://schemas.microsoft.com/office/drawing/2010/main" val="0"/>
+              </a:ext>
+            </a:extLst>
+          </a:blip>
+          <a:srcRect t="9844" r="19388" b="23229"/>
+          <a:stretch/>
+        </p:blipFill>
+        <p:spPr>
+          <a:xfrm>
+            <a:off x="6359661" y="78480"/>
+            <a:ext cx="5579696" cy="873242"/>
+          </a:xfrm>
+          <a:prstGeom prst="rect">
+            <a:avLst/>
+          </a:prstGeom>
+        </p:spPr>
+      </p:pic>
+      <p:sp>
+        <p:nvSpPr>
+          <p:cNvPr id="12" name="Textfeld 5">
             <a:extLst>
               <a:ext uri="{FF2B5EF4-FFF2-40B4-BE49-F238E27FC236}">
-                <a16:creationId xmlns:a16="http://schemas.microsoft.com/office/drawing/2014/main" id="{DAE6547F-F8D7-C347-AD8A-1AB68748FD13}"/>
+                <a16:creationId xmlns:a16="http://schemas.microsoft.com/office/drawing/2014/main" id="{B9AFDE59-8EF6-874B-8C38-76334D01D795}"/>
               </a:ext>
             </a:extLst>
           </p:cNvPr>
-          <p:cNvGrpSpPr/>
-          <p:nvPr/>
-        </p:nvGrpSpPr>
-        <p:grpSpPr>
-          <a:xfrm>
-            <a:off x="1" y="1"/>
-            <a:ext cx="12191999" cy="662031"/>
-            <a:chOff x="1" y="1"/>
-            <a:chExt cx="12191999" cy="1035050"/>
-          </a:xfrm>
-        </p:grpSpPr>
-        <p:sp>
-          <p:nvSpPr>
-            <p:cNvPr id="4" name="Rectangle 7"/>
-            <p:cNvSpPr/>
-            <p:nvPr/>
-          </p:nvSpPr>
-          <p:spPr>
-            <a:xfrm>
-              <a:off x="1" y="1"/>
-              <a:ext cx="12191999" cy="1035050"/>
-            </a:xfrm>
-            <a:prstGeom prst="rect">
-              <a:avLst/>
-            </a:prstGeom>
-            <a:solidFill>
-              <a:srgbClr val="019440"/>
-            </a:solidFill>
-            <a:ln>
-              <a:noFill/>
-            </a:ln>
-          </p:spPr>
-          <p:style>
-            <a:lnRef idx="2">
-              <a:schemeClr val="accent1">
-                <a:shade val="50000"/>
-              </a:schemeClr>
-            </a:lnRef>
-            <a:fillRef idx="1">
-              <a:schemeClr val="accent1"/>
-            </a:fillRef>
-            <a:effectRef idx="0">
-              <a:schemeClr val="accent1"/>
-            </a:effectRef>
-            <a:fontRef idx="minor">
-              <a:schemeClr val="lt1"/>
-            </a:fontRef>
-          </p:style>
-          <p:txBody>
-            <a:bodyPr rtlCol="0" anchor="ctr"/>
-            <a:lstStyle/>
-            <a:p>
-              <a:pPr algn="ctr"/>
-              <a:endParaRPr lang="en-US"/>
-            </a:p>
-          </p:txBody>
-        </p:sp>
-        <p:pic>
-          <p:nvPicPr>
-            <p:cNvPr id="5" name="Picture 3"/>
-            <p:cNvPicPr>
-              <a:picLocks noChangeAspect="1"/>
-            </p:cNvPicPr>
-            <p:nvPr/>
-          </p:nvPicPr>
-          <p:blipFill rotWithShape="1">
-            <a:blip r:embed="rId6" cstate="print">
-              <a:extLst>
-                <a:ext uri="{28A0092B-C50C-407E-A947-70E740481C1C}">
-                  <a14:useLocalDpi xmlns:a14="http://schemas.microsoft.com/office/drawing/2010/main" val="0"/>
-                </a:ext>
-              </a:extLst>
-            </a:blip>
-            <a:srcRect t="9844" r="19388" b="23229"/>
-            <a:stretch/>
-          </p:blipFill>
-          <p:spPr>
-            <a:xfrm>
-              <a:off x="6359661" y="78480"/>
-              <a:ext cx="5579696" cy="873242"/>
-            </a:xfrm>
-            <a:prstGeom prst="rect">
-              <a:avLst/>
-            </a:prstGeom>
-          </p:spPr>
-        </p:pic>
-      </p:grpSp>
-      <p:sp>
-        <p:nvSpPr>
-          <p:cNvPr id="6" name="Textfeld 5"/>
           <p:cNvSpPr txBox="1"/>
           <p:nvPr/>
         </p:nvSpPr>
         <p:spPr>
           <a:xfrm>
-            <a:off x="393958" y="729001"/>
+            <a:off x="393958" y="1059201"/>
             <a:ext cx="11404084" cy="461665"/>
           </a:xfrm>
           <a:prstGeom prst="rect">
@@ -3527,13 +3067,19 @@
       </p:sp>
       <p:sp>
         <p:nvSpPr>
-          <p:cNvPr id="7" name="Textfeld 6"/>
+          <p:cNvPr id="13" name="Textfeld 6">
+            <a:extLst>
+              <a:ext uri="{FF2B5EF4-FFF2-40B4-BE49-F238E27FC236}">
+                <a16:creationId xmlns:a16="http://schemas.microsoft.com/office/drawing/2014/main" id="{50B1C406-62FA-6F4C-AC83-F5DD89397033}"/>
+              </a:ext>
+            </a:extLst>
+          </p:cNvPr>
           <p:cNvSpPr txBox="1"/>
           <p:nvPr/>
         </p:nvSpPr>
         <p:spPr>
           <a:xfrm>
-            <a:off x="959000" y="1190666"/>
+            <a:off x="959000" y="1520866"/>
             <a:ext cx="10281425" cy="338554"/>
           </a:xfrm>
           <a:prstGeom prst="rect">
@@ -3634,13 +3180,19 @@
       </p:sp>
       <p:sp>
         <p:nvSpPr>
-          <p:cNvPr id="8" name="Textfeld 7"/>
+          <p:cNvPr id="14" name="Textfeld 7">
+            <a:extLst>
+              <a:ext uri="{FF2B5EF4-FFF2-40B4-BE49-F238E27FC236}">
+                <a16:creationId xmlns:a16="http://schemas.microsoft.com/office/drawing/2014/main" id="{D530F292-85ED-7D43-ACB1-11A0673FB94E}"/>
+              </a:ext>
+            </a:extLst>
+          </p:cNvPr>
           <p:cNvSpPr txBox="1"/>
           <p:nvPr/>
         </p:nvSpPr>
         <p:spPr>
           <a:xfrm>
-            <a:off x="637864" y="1506298"/>
+            <a:off x="637864" y="1836498"/>
             <a:ext cx="10923696" cy="523220"/>
           </a:xfrm>
           <a:prstGeom prst="rect">
@@ -3681,6 +3233,42 @@
           </a:p>
         </p:txBody>
       </p:sp>
+      <p:pic>
+        <p:nvPicPr>
+          <p:cNvPr id="3" name="Picture 2" descr="A screenshot of a cell phone&#10;&#10;Description automatically generated">
+            <a:extLst>
+              <a:ext uri="{FF2B5EF4-FFF2-40B4-BE49-F238E27FC236}">
+                <a16:creationId xmlns:a16="http://schemas.microsoft.com/office/drawing/2014/main" id="{8A9BDFC9-5223-3543-A2BF-A85481DF0F8F}"/>
+              </a:ext>
+            </a:extLst>
+          </p:cNvPr>
+          <p:cNvPicPr>
+            <a:picLocks noChangeAspect="1"/>
+          </p:cNvPicPr>
+          <p:nvPr/>
+        </p:nvPicPr>
+        <p:blipFill>
+          <a:blip r:embed="rId3">
+            <a:extLst>
+              <a:ext uri="{28A0092B-C50C-407E-A947-70E740481C1C}">
+                <a14:useLocalDpi xmlns:a14="http://schemas.microsoft.com/office/drawing/2010/main" val="0"/>
+              </a:ext>
+            </a:extLst>
+          </a:blip>
+          <a:stretch>
+            <a:fillRect/>
+          </a:stretch>
+        </p:blipFill>
+        <p:spPr>
+          <a:xfrm>
+            <a:off x="1685102" y="2424008"/>
+            <a:ext cx="8821796" cy="4433992"/>
+          </a:xfrm>
+          <a:prstGeom prst="rect">
+            <a:avLst/>
+          </a:prstGeom>
+        </p:spPr>
+      </p:pic>
     </p:spTree>
     <p:extLst>
       <p:ext uri="{BB962C8B-B14F-4D97-AF65-F5344CB8AC3E}">

--- a/mlmi-workshop/mlmi.pptx
+++ b/mlmi-workshop/mlmi.pptx
@@ -5,7 +5,7 @@
     <p:sldMasterId id="2147483648" r:id="rId1"/>
   </p:sldMasterIdLst>
   <p:sldIdLst>
-    <p:sldId id="256" r:id="rId2"/>
+    <p:sldId id="257" r:id="rId2"/>
   </p:sldIdLst>
   <p:sldSz cx="12192000" cy="6858000"/>
   <p:notesSz cx="6858000" cy="9144000"/>
@@ -2948,331 +2948,791 @@
           <a:chExt cx="0" cy="0"/>
         </a:xfrm>
       </p:grpSpPr>
-      <p:sp>
-        <p:nvSpPr>
-          <p:cNvPr id="4" name="Rectangle 7"/>
-          <p:cNvSpPr/>
-          <p:nvPr/>
-        </p:nvSpPr>
-        <p:spPr>
-          <a:xfrm>
-            <a:off x="1" y="1"/>
-            <a:ext cx="12191999" cy="1035050"/>
-          </a:xfrm>
-          <a:prstGeom prst="rect">
-            <a:avLst/>
-          </a:prstGeom>
-          <a:solidFill>
-            <a:srgbClr val="019440"/>
-          </a:solidFill>
-          <a:ln>
-            <a:noFill/>
-          </a:ln>
-        </p:spPr>
-        <p:style>
-          <a:lnRef idx="2">
-            <a:schemeClr val="accent1">
-              <a:shade val="50000"/>
-            </a:schemeClr>
-          </a:lnRef>
-          <a:fillRef idx="1">
-            <a:schemeClr val="accent1"/>
-          </a:fillRef>
-          <a:effectRef idx="0">
-            <a:schemeClr val="accent1"/>
-          </a:effectRef>
-          <a:fontRef idx="minor">
-            <a:schemeClr val="lt1"/>
-          </a:fontRef>
-        </p:style>
-        <p:txBody>
-          <a:bodyPr rtlCol="0" anchor="ctr"/>
-          <a:lstStyle/>
-          <a:p>
-            <a:pPr algn="ctr"/>
-            <a:endParaRPr lang="en-US"/>
-          </a:p>
-        </p:txBody>
-      </p:sp>
-      <p:pic>
-        <p:nvPicPr>
-          <p:cNvPr id="5" name="Picture 3"/>
-          <p:cNvPicPr>
-            <a:picLocks noChangeAspect="1"/>
-          </p:cNvPicPr>
-          <p:nvPr/>
-        </p:nvPicPr>
-        <p:blipFill rotWithShape="1">
-          <a:blip r:embed="rId2" cstate="print">
-            <a:extLst>
-              <a:ext uri="{28A0092B-C50C-407E-A947-70E740481C1C}">
-                <a14:useLocalDpi xmlns:a14="http://schemas.microsoft.com/office/drawing/2010/main" val="0"/>
-              </a:ext>
-            </a:extLst>
-          </a:blip>
-          <a:srcRect t="9844" r="19388" b="23229"/>
-          <a:stretch/>
-        </p:blipFill>
-        <p:spPr>
-          <a:xfrm>
-            <a:off x="6359661" y="78480"/>
-            <a:ext cx="5579696" cy="873242"/>
-          </a:xfrm>
-          <a:prstGeom prst="rect">
-            <a:avLst/>
-          </a:prstGeom>
-        </p:spPr>
-      </p:pic>
-      <p:sp>
-        <p:nvSpPr>
-          <p:cNvPr id="12" name="Textfeld 5">
+      <p:grpSp>
+        <p:nvGrpSpPr>
+          <p:cNvPr id="7" name="Group 6">
             <a:extLst>
               <a:ext uri="{FF2B5EF4-FFF2-40B4-BE49-F238E27FC236}">
-                <a16:creationId xmlns:a16="http://schemas.microsoft.com/office/drawing/2014/main" id="{B9AFDE59-8EF6-874B-8C38-76334D01D795}"/>
+                <a16:creationId xmlns:a16="http://schemas.microsoft.com/office/drawing/2014/main" id="{5AE9C9C2-0890-6344-B6FB-A1DA99E1F170}"/>
               </a:ext>
             </a:extLst>
           </p:cNvPr>
-          <p:cNvSpPr txBox="1"/>
+          <p:cNvGrpSpPr/>
           <p:nvPr/>
-        </p:nvSpPr>
-        <p:spPr>
+        </p:nvGrpSpPr>
+        <p:grpSpPr>
           <a:xfrm>
-            <a:off x="393958" y="1059201"/>
-            <a:ext cx="11404084" cy="461665"/>
+            <a:off x="1" y="-9188"/>
+            <a:ext cx="12191999" cy="6867188"/>
+            <a:chOff x="1" y="-9188"/>
+            <a:chExt cx="12191999" cy="6867188"/>
           </a:xfrm>
-          <a:prstGeom prst="rect">
-            <a:avLst/>
-          </a:prstGeom>
-          <a:noFill/>
-        </p:spPr>
-        <p:txBody>
-          <a:bodyPr wrap="none" rtlCol="0">
-            <a:spAutoFit/>
-          </a:bodyPr>
-          <a:lstStyle/>
-          <a:p>
-            <a:r>
-              <a:rPr lang="en-US" sz="2400" b="1" dirty="0">
+        </p:grpSpPr>
+        <p:sp>
+          <p:nvSpPr>
+            <p:cNvPr id="4" name="Rectangle 7"/>
+            <p:cNvSpPr/>
+            <p:nvPr/>
+          </p:nvSpPr>
+          <p:spPr>
+            <a:xfrm>
+              <a:off x="1" y="1"/>
+              <a:ext cx="12191999" cy="851297"/>
+            </a:xfrm>
+            <a:prstGeom prst="rect">
+              <a:avLst/>
+            </a:prstGeom>
+            <a:solidFill>
+              <a:srgbClr val="019440"/>
+            </a:solidFill>
+            <a:ln>
+              <a:noFill/>
+            </a:ln>
+          </p:spPr>
+          <p:style>
+            <a:lnRef idx="2">
+              <a:schemeClr val="accent1">
+                <a:shade val="50000"/>
+              </a:schemeClr>
+            </a:lnRef>
+            <a:fillRef idx="1">
+              <a:schemeClr val="accent1"/>
+            </a:fillRef>
+            <a:effectRef idx="0">
+              <a:schemeClr val="accent1"/>
+            </a:effectRef>
+            <a:fontRef idx="minor">
+              <a:schemeClr val="lt1"/>
+            </a:fontRef>
+          </p:style>
+          <p:txBody>
+            <a:bodyPr rtlCol="0" anchor="ctr"/>
+            <a:lstStyle/>
+            <a:p>
+              <a:pPr algn="ctr"/>
+              <a:endParaRPr lang="en-US"/>
+            </a:p>
+          </p:txBody>
+        </p:sp>
+        <p:pic>
+          <p:nvPicPr>
+            <p:cNvPr id="5" name="Picture 3"/>
+            <p:cNvPicPr>
+              <a:picLocks noChangeAspect="1"/>
+            </p:cNvPicPr>
+            <p:nvPr/>
+          </p:nvPicPr>
+          <p:blipFill rotWithShape="1">
+            <a:blip r:embed="rId2" cstate="print">
+              <a:extLst>
+                <a:ext uri="{28A0092B-C50C-407E-A947-70E740481C1C}">
+                  <a14:useLocalDpi xmlns:a14="http://schemas.microsoft.com/office/drawing/2010/main" val="0"/>
+                </a:ext>
+              </a:extLst>
+            </a:blip>
+            <a:srcRect t="9844" r="19388" b="23229"/>
+            <a:stretch/>
+          </p:blipFill>
+          <p:spPr>
+            <a:xfrm>
+              <a:off x="3306152" y="-9188"/>
+              <a:ext cx="5579696" cy="851297"/>
+            </a:xfrm>
+            <a:prstGeom prst="rect">
+              <a:avLst/>
+            </a:prstGeom>
+          </p:spPr>
+        </p:pic>
+        <p:sp>
+          <p:nvSpPr>
+            <p:cNvPr id="12" name="Textfeld 5">
+              <a:extLst>
+                <a:ext uri="{FF2B5EF4-FFF2-40B4-BE49-F238E27FC236}">
+                  <a16:creationId xmlns:a16="http://schemas.microsoft.com/office/drawing/2014/main" id="{B9AFDE59-8EF6-874B-8C38-76334D01D795}"/>
+                </a:ext>
+              </a:extLst>
+            </p:cNvPr>
+            <p:cNvSpPr txBox="1"/>
+            <p:nvPr/>
+          </p:nvSpPr>
+          <p:spPr>
+            <a:xfrm>
+              <a:off x="393958" y="887748"/>
+              <a:ext cx="11404084" cy="461665"/>
+            </a:xfrm>
+            <a:prstGeom prst="rect">
+              <a:avLst/>
+            </a:prstGeom>
+            <a:noFill/>
+          </p:spPr>
+          <p:txBody>
+            <a:bodyPr wrap="none" rtlCol="0">
+              <a:spAutoFit/>
+            </a:bodyPr>
+            <a:lstStyle/>
+            <a:p>
+              <a:r>
+                <a:rPr lang="en-US" sz="2400" b="1" dirty="0">
+                  <a:latin typeface="Arial" panose="020B0604020202020204" pitchFamily="34" charset="0"/>
+                  <a:cs typeface="Arial" panose="020B0604020202020204" pitchFamily="34" charset="0"/>
+                </a:rPr>
+                <a:t>Bayesian Neural Networks for Uncertainty Estimation of Imaging Biomarkers</a:t>
+              </a:r>
+              <a:endParaRPr lang="de-DE" sz="2400" b="1" dirty="0">
                 <a:latin typeface="Arial" panose="020B0604020202020204" pitchFamily="34" charset="0"/>
                 <a:cs typeface="Arial" panose="020B0604020202020204" pitchFamily="34" charset="0"/>
-              </a:rPr>
-              <a:t>Bayesian Neural Networks for Uncertainty Estimation of Imaging Biomarkers</a:t>
-            </a:r>
-            <a:endParaRPr lang="de-DE" sz="2400" b="1" dirty="0">
-              <a:latin typeface="Arial" panose="020B0604020202020204" pitchFamily="34" charset="0"/>
-              <a:cs typeface="Arial" panose="020B0604020202020204" pitchFamily="34" charset="0"/>
-            </a:endParaRPr>
-          </a:p>
-        </p:txBody>
-      </p:sp>
-      <p:sp>
-        <p:nvSpPr>
-          <p:cNvPr id="13" name="Textfeld 6">
-            <a:extLst>
-              <a:ext uri="{FF2B5EF4-FFF2-40B4-BE49-F238E27FC236}">
-                <a16:creationId xmlns:a16="http://schemas.microsoft.com/office/drawing/2014/main" id="{50B1C406-62FA-6F4C-AC83-F5DD89397033}"/>
-              </a:ext>
-            </a:extLst>
-          </p:cNvPr>
-          <p:cNvSpPr txBox="1"/>
-          <p:nvPr/>
-        </p:nvSpPr>
-        <p:spPr>
-          <a:xfrm>
-            <a:off x="959000" y="1520866"/>
-            <a:ext cx="10281425" cy="338554"/>
-          </a:xfrm>
-          <a:prstGeom prst="rect">
-            <a:avLst/>
-          </a:prstGeom>
-          <a:noFill/>
-        </p:spPr>
-        <p:txBody>
-          <a:bodyPr wrap="square" rtlCol="0">
-            <a:spAutoFit/>
-          </a:bodyPr>
-          <a:lstStyle/>
-          <a:p>
-            <a:pPr algn="ctr"/>
-            <a:r>
-              <a:rPr lang="en-US" sz="1600" b="1" dirty="0">
+              </a:endParaRPr>
+            </a:p>
+          </p:txBody>
+        </p:sp>
+        <p:sp>
+          <p:nvSpPr>
+            <p:cNvPr id="13" name="Textfeld 6">
+              <a:extLst>
+                <a:ext uri="{FF2B5EF4-FFF2-40B4-BE49-F238E27FC236}">
+                  <a16:creationId xmlns:a16="http://schemas.microsoft.com/office/drawing/2014/main" id="{50B1C406-62FA-6F4C-AC83-F5DD89397033}"/>
+                </a:ext>
+              </a:extLst>
+            </p:cNvPr>
+            <p:cNvSpPr txBox="1"/>
+            <p:nvPr/>
+          </p:nvSpPr>
+          <p:spPr>
+            <a:xfrm>
+              <a:off x="959000" y="1320837"/>
+              <a:ext cx="10281425" cy="338554"/>
+            </a:xfrm>
+            <a:prstGeom prst="rect">
+              <a:avLst/>
+            </a:prstGeom>
+            <a:noFill/>
+          </p:spPr>
+          <p:txBody>
+            <a:bodyPr wrap="square" rtlCol="0">
+              <a:spAutoFit/>
+            </a:bodyPr>
+            <a:lstStyle/>
+            <a:p>
+              <a:pPr algn="ctr"/>
+              <a:r>
+                <a:rPr lang="en-US" sz="1600" b="1" dirty="0">
+                  <a:latin typeface="Arial" panose="020B0604020202020204" pitchFamily="34" charset="0"/>
+                  <a:cs typeface="Arial" panose="020B0604020202020204" pitchFamily="34" charset="0"/>
+                </a:rPr>
+                <a:t>J. Senapati</a:t>
+              </a:r>
+              <a:r>
+                <a:rPr lang="en-US" sz="1600" dirty="0">
+                  <a:latin typeface="Arial" panose="020B0604020202020204" pitchFamily="34" charset="0"/>
+                  <a:cs typeface="Arial" panose="020B0604020202020204" pitchFamily="34" charset="0"/>
+                </a:rPr>
+                <a:t>, A. Guha Roy, S. </a:t>
+              </a:r>
+              <a:r>
+                <a:rPr lang="en-US" sz="1600" dirty="0" err="1">
+                  <a:latin typeface="Arial" panose="020B0604020202020204" pitchFamily="34" charset="0"/>
+                  <a:cs typeface="Arial" panose="020B0604020202020204" pitchFamily="34" charset="0"/>
+                </a:rPr>
+                <a:t>Pölsterl</a:t>
+              </a:r>
+              <a:r>
+                <a:rPr lang="en-US" sz="1600" dirty="0">
+                  <a:latin typeface="Arial" panose="020B0604020202020204" pitchFamily="34" charset="0"/>
+                  <a:cs typeface="Arial" panose="020B0604020202020204" pitchFamily="34" charset="0"/>
+                </a:rPr>
+                <a:t>, D. Gutmann, </a:t>
+              </a:r>
+              <a:r>
+                <a:rPr lang="en-IN" sz="1600" dirty="0">
+                  <a:latin typeface="Arial" panose="020B0604020202020204" pitchFamily="34" charset="0"/>
+                  <a:cs typeface="Arial" panose="020B0604020202020204" pitchFamily="34" charset="0"/>
+                </a:rPr>
+                <a:t>S. </a:t>
+              </a:r>
+              <a:r>
+                <a:rPr lang="en-IN" sz="1600" dirty="0" err="1">
+                  <a:latin typeface="Arial" panose="020B0604020202020204" pitchFamily="34" charset="0"/>
+                  <a:cs typeface="Arial" panose="020B0604020202020204" pitchFamily="34" charset="0"/>
+                </a:rPr>
+                <a:t>Gatidis</a:t>
+              </a:r>
+              <a:r>
+                <a:rPr lang="en-IN" sz="1600" dirty="0">
+                  <a:latin typeface="Arial" panose="020B0604020202020204" pitchFamily="34" charset="0"/>
+                  <a:cs typeface="Arial" panose="020B0604020202020204" pitchFamily="34" charset="0"/>
+                </a:rPr>
+                <a:t>, C. </a:t>
+              </a:r>
+              <a:r>
+                <a:rPr lang="en-IN" sz="1600" dirty="0" err="1">
+                  <a:latin typeface="Arial" panose="020B0604020202020204" pitchFamily="34" charset="0"/>
+                  <a:cs typeface="Arial" panose="020B0604020202020204" pitchFamily="34" charset="0"/>
+                </a:rPr>
+                <a:t>Schlett</a:t>
+              </a:r>
+              <a:r>
+                <a:rPr lang="en-IN" sz="1600" dirty="0">
+                  <a:latin typeface="Arial" panose="020B0604020202020204" pitchFamily="34" charset="0"/>
+                  <a:cs typeface="Arial" panose="020B0604020202020204" pitchFamily="34" charset="0"/>
+                </a:rPr>
+                <a:t>, A. Peters, F. Bamberg, </a:t>
+              </a:r>
+              <a:r>
+                <a:rPr lang="en-US" sz="1600" dirty="0">
+                  <a:latin typeface="Arial" panose="020B0604020202020204" pitchFamily="34" charset="0"/>
+                  <a:cs typeface="Arial" panose="020B0604020202020204" pitchFamily="34" charset="0"/>
+                </a:rPr>
+                <a:t>C. </a:t>
+              </a:r>
+              <a:r>
+                <a:rPr lang="en-US" sz="1600" dirty="0" err="1">
+                  <a:latin typeface="Arial" panose="020B0604020202020204" pitchFamily="34" charset="0"/>
+                  <a:cs typeface="Arial" panose="020B0604020202020204" pitchFamily="34" charset="0"/>
+                </a:rPr>
+                <a:t>Wachinger</a:t>
+              </a:r>
+              <a:endParaRPr lang="en-US" sz="1600" dirty="0">
                 <a:latin typeface="Arial" panose="020B0604020202020204" pitchFamily="34" charset="0"/>
                 <a:cs typeface="Arial" panose="020B0604020202020204" pitchFamily="34" charset="0"/>
-              </a:rPr>
-              <a:t>J. Senapati</a:t>
-            </a:r>
-            <a:r>
-              <a:rPr lang="en-US" sz="1600" dirty="0">
-                <a:latin typeface="Arial" panose="020B0604020202020204" pitchFamily="34" charset="0"/>
-                <a:cs typeface="Arial" panose="020B0604020202020204" pitchFamily="34" charset="0"/>
-              </a:rPr>
-              <a:t>, A. Guha Roy, S. </a:t>
-            </a:r>
-            <a:r>
-              <a:rPr lang="en-US" sz="1600" dirty="0" err="1">
-                <a:latin typeface="Arial" panose="020B0604020202020204" pitchFamily="34" charset="0"/>
-                <a:cs typeface="Arial" panose="020B0604020202020204" pitchFamily="34" charset="0"/>
-              </a:rPr>
-              <a:t>Pölsterl</a:t>
-            </a:r>
-            <a:r>
-              <a:rPr lang="en-US" sz="1600" dirty="0">
-                <a:latin typeface="Arial" panose="020B0604020202020204" pitchFamily="34" charset="0"/>
-                <a:cs typeface="Arial" panose="020B0604020202020204" pitchFamily="34" charset="0"/>
-              </a:rPr>
-              <a:t>, D. Gutmann, </a:t>
-            </a:r>
-            <a:r>
-              <a:rPr lang="en-IN" sz="1600" dirty="0">
-                <a:latin typeface="Arial" panose="020B0604020202020204" pitchFamily="34" charset="0"/>
-                <a:cs typeface="Arial" panose="020B0604020202020204" pitchFamily="34" charset="0"/>
-              </a:rPr>
-              <a:t>S. </a:t>
-            </a:r>
-            <a:r>
-              <a:rPr lang="en-IN" sz="1600" dirty="0" err="1">
-                <a:latin typeface="Arial" panose="020B0604020202020204" pitchFamily="34" charset="0"/>
-                <a:cs typeface="Arial" panose="020B0604020202020204" pitchFamily="34" charset="0"/>
-              </a:rPr>
-              <a:t>Gatidis</a:t>
-            </a:r>
-            <a:r>
-              <a:rPr lang="en-IN" sz="1600" dirty="0">
-                <a:latin typeface="Arial" panose="020B0604020202020204" pitchFamily="34" charset="0"/>
-                <a:cs typeface="Arial" panose="020B0604020202020204" pitchFamily="34" charset="0"/>
-              </a:rPr>
-              <a:t>, C. </a:t>
-            </a:r>
-            <a:r>
-              <a:rPr lang="en-IN" sz="1600" dirty="0" err="1">
-                <a:latin typeface="Arial" panose="020B0604020202020204" pitchFamily="34" charset="0"/>
-                <a:cs typeface="Arial" panose="020B0604020202020204" pitchFamily="34" charset="0"/>
-              </a:rPr>
-              <a:t>Schlett</a:t>
-            </a:r>
-            <a:r>
-              <a:rPr lang="en-IN" sz="1600" dirty="0">
-                <a:latin typeface="Arial" panose="020B0604020202020204" pitchFamily="34" charset="0"/>
-                <a:cs typeface="Arial" panose="020B0604020202020204" pitchFamily="34" charset="0"/>
-              </a:rPr>
-              <a:t>, A. Peters, F. Bamberg, </a:t>
-            </a:r>
-            <a:r>
-              <a:rPr lang="en-US" sz="1600" dirty="0">
-                <a:latin typeface="Arial" panose="020B0604020202020204" pitchFamily="34" charset="0"/>
-                <a:cs typeface="Arial" panose="020B0604020202020204" pitchFamily="34" charset="0"/>
-              </a:rPr>
-              <a:t>C. </a:t>
-            </a:r>
-            <a:r>
-              <a:rPr lang="en-US" sz="1600" dirty="0" err="1">
-                <a:latin typeface="Arial" panose="020B0604020202020204" pitchFamily="34" charset="0"/>
-                <a:cs typeface="Arial" panose="020B0604020202020204" pitchFamily="34" charset="0"/>
-              </a:rPr>
-              <a:t>Wachinger</a:t>
-            </a:r>
-            <a:endParaRPr lang="en-US" sz="1600" dirty="0">
-              <a:latin typeface="Arial" panose="020B0604020202020204" pitchFamily="34" charset="0"/>
-              <a:cs typeface="Arial" panose="020B0604020202020204" pitchFamily="34" charset="0"/>
-            </a:endParaRPr>
-          </a:p>
-        </p:txBody>
-      </p:sp>
-      <p:sp>
-        <p:nvSpPr>
-          <p:cNvPr id="14" name="Textfeld 7">
-            <a:extLst>
-              <a:ext uri="{FF2B5EF4-FFF2-40B4-BE49-F238E27FC236}">
-                <a16:creationId xmlns:a16="http://schemas.microsoft.com/office/drawing/2014/main" id="{D530F292-85ED-7D43-ACB1-11A0673FB94E}"/>
-              </a:ext>
-            </a:extLst>
-          </p:cNvPr>
-          <p:cNvSpPr txBox="1"/>
-          <p:nvPr/>
-        </p:nvSpPr>
-        <p:spPr>
-          <a:xfrm>
-            <a:off x="637864" y="1836498"/>
-            <a:ext cx="10923696" cy="523220"/>
-          </a:xfrm>
-          <a:prstGeom prst="rect">
-            <a:avLst/>
-          </a:prstGeom>
-          <a:noFill/>
-        </p:spPr>
-        <p:txBody>
-          <a:bodyPr wrap="none" rtlCol="0">
-            <a:spAutoFit/>
-          </a:bodyPr>
-          <a:lstStyle/>
-          <a:p>
-            <a:pPr algn="ctr"/>
-            <a:r>
-              <a:rPr lang="en-IN" sz="1400" dirty="0"/>
-              <a:t>Artificial Intelligence in Medical Imaging (AI-Med), KJP, LMU München, Department of Diagnostic and Interventional Rad., University of Tübingen,</a:t>
-            </a:r>
-          </a:p>
-          <a:p>
-            <a:pPr algn="ctr"/>
-            <a:r>
-              <a:rPr lang="en-IN" sz="1400" dirty="0"/>
-              <a:t>Department of Diagnostic and Interventional Rad., University Freiburg, Institute of Epidemiology, Helmholtz </a:t>
-            </a:r>
-            <a:r>
-              <a:rPr lang="en-IN" sz="1400" dirty="0" err="1"/>
-              <a:t>Zentrum</a:t>
-            </a:r>
-            <a:r>
-              <a:rPr lang="en-IN" sz="1400" dirty="0"/>
-              <a:t> München, Germany</a:t>
-            </a:r>
-            <a:endParaRPr lang="en-US" sz="1400" dirty="0">
-              <a:latin typeface="Arial" panose="020B0604020202020204" pitchFamily="34" charset="0"/>
-              <a:cs typeface="Arial" panose="020B0604020202020204" pitchFamily="34" charset="0"/>
-            </a:endParaRPr>
-          </a:p>
-        </p:txBody>
-      </p:sp>
-      <p:pic>
-        <p:nvPicPr>
-          <p:cNvPr id="3" name="Picture 2" descr="A screenshot of a cell phone&#10;&#10;Description automatically generated">
-            <a:extLst>
-              <a:ext uri="{FF2B5EF4-FFF2-40B4-BE49-F238E27FC236}">
-                <a16:creationId xmlns:a16="http://schemas.microsoft.com/office/drawing/2014/main" id="{8A9BDFC9-5223-3543-A2BF-A85481DF0F8F}"/>
-              </a:ext>
-            </a:extLst>
-          </p:cNvPr>
-          <p:cNvPicPr>
-            <a:picLocks noChangeAspect="1"/>
-          </p:cNvPicPr>
-          <p:nvPr/>
-        </p:nvPicPr>
-        <p:blipFill>
-          <a:blip r:embed="rId3">
-            <a:extLst>
-              <a:ext uri="{28A0092B-C50C-407E-A947-70E740481C1C}">
-                <a14:useLocalDpi xmlns:a14="http://schemas.microsoft.com/office/drawing/2010/main" val="0"/>
-              </a:ext>
-            </a:extLst>
-          </a:blip>
-          <a:stretch>
-            <a:fillRect/>
-          </a:stretch>
-        </p:blipFill>
-        <p:spPr>
-          <a:xfrm>
-            <a:off x="1685102" y="2424008"/>
-            <a:ext cx="8821796" cy="4433992"/>
-          </a:xfrm>
-          <a:prstGeom prst="rect">
-            <a:avLst/>
-          </a:prstGeom>
-        </p:spPr>
-      </p:pic>
+              </a:endParaRPr>
+            </a:p>
+          </p:txBody>
+        </p:sp>
+        <p:sp>
+          <p:nvSpPr>
+            <p:cNvPr id="14" name="Textfeld 7">
+              <a:extLst>
+                <a:ext uri="{FF2B5EF4-FFF2-40B4-BE49-F238E27FC236}">
+                  <a16:creationId xmlns:a16="http://schemas.microsoft.com/office/drawing/2014/main" id="{D530F292-85ED-7D43-ACB1-11A0673FB94E}"/>
+                </a:ext>
+              </a:extLst>
+            </p:cNvPr>
+            <p:cNvSpPr txBox="1"/>
+            <p:nvPr/>
+          </p:nvSpPr>
+          <p:spPr>
+            <a:xfrm>
+              <a:off x="2806376" y="1622181"/>
+              <a:ext cx="6586675" cy="523220"/>
+            </a:xfrm>
+            <a:prstGeom prst="rect">
+              <a:avLst/>
+            </a:prstGeom>
+            <a:noFill/>
+          </p:spPr>
+          <p:txBody>
+            <a:bodyPr wrap="none" rtlCol="0">
+              <a:spAutoFit/>
+            </a:bodyPr>
+            <a:lstStyle/>
+            <a:p>
+              <a:pPr algn="ctr"/>
+              <a:r>
+                <a:rPr lang="en-IN" sz="1400" dirty="0"/>
+                <a:t>Artificial Intelligence in Medical Imaging (AI-Med), KJP, LMU München, </a:t>
+              </a:r>
+              <a:r>
+                <a:rPr lang="en-IN" sz="1400" dirty="0">
+                  <a:hlinkClick r:id="rId3"/>
+                </a:rPr>
+                <a:t>www.ai-med.de</a:t>
+              </a:r>
+              <a:r>
+                <a:rPr lang="en-IN" sz="1400" dirty="0"/>
+                <a:t>  </a:t>
+              </a:r>
+            </a:p>
+            <a:p>
+              <a:pPr algn="ctr"/>
+              <a:r>
+                <a:rPr lang="en-IN" sz="1400" dirty="0"/>
+                <a:t>University of Tübingen, University Freiburg, Helmholtz </a:t>
+              </a:r>
+              <a:r>
+                <a:rPr lang="en-IN" sz="1400" dirty="0" err="1"/>
+                <a:t>Zentrum</a:t>
+              </a:r>
+              <a:r>
+                <a:rPr lang="en-IN" sz="1400" dirty="0"/>
+                <a:t> München,</a:t>
+              </a:r>
+            </a:p>
+          </p:txBody>
+        </p:sp>
+        <p:grpSp>
+          <p:nvGrpSpPr>
+            <p:cNvPr id="6" name="Group 5">
+              <a:extLst>
+                <a:ext uri="{FF2B5EF4-FFF2-40B4-BE49-F238E27FC236}">
+                  <a16:creationId xmlns:a16="http://schemas.microsoft.com/office/drawing/2014/main" id="{C89A750E-20FB-B149-ADC3-1DCA177C8C80}"/>
+                </a:ext>
+              </a:extLst>
+            </p:cNvPr>
+            <p:cNvGrpSpPr/>
+            <p:nvPr/>
+          </p:nvGrpSpPr>
+          <p:grpSpPr>
+            <a:xfrm>
+              <a:off x="1048602" y="2187673"/>
+              <a:ext cx="10020138" cy="4670327"/>
+              <a:chOff x="1008689" y="2359718"/>
+              <a:chExt cx="9498209" cy="4498282"/>
+            </a:xfrm>
+          </p:grpSpPr>
+          <p:pic>
+            <p:nvPicPr>
+              <p:cNvPr id="3" name="Picture 2" descr="A screenshot of a cell phone&#10;&#10;Description automatically generated">
+                <a:extLst>
+                  <a:ext uri="{FF2B5EF4-FFF2-40B4-BE49-F238E27FC236}">
+                    <a16:creationId xmlns:a16="http://schemas.microsoft.com/office/drawing/2014/main" id="{8A9BDFC9-5223-3543-A2BF-A85481DF0F8F}"/>
+                  </a:ext>
+                </a:extLst>
+              </p:cNvPr>
+              <p:cNvPicPr>
+                <a:picLocks noChangeAspect="1"/>
+              </p:cNvPicPr>
+              <p:nvPr/>
+            </p:nvPicPr>
+            <p:blipFill>
+              <a:blip r:embed="rId4">
+                <a:extLst>
+                  <a:ext uri="{28A0092B-C50C-407E-A947-70E740481C1C}">
+                    <a14:useLocalDpi xmlns:a14="http://schemas.microsoft.com/office/drawing/2010/main" val="0"/>
+                  </a:ext>
+                </a:extLst>
+              </a:blip>
+              <a:stretch>
+                <a:fillRect/>
+              </a:stretch>
+            </p:blipFill>
+            <p:spPr>
+              <a:xfrm>
+                <a:off x="1685102" y="2424008"/>
+                <a:ext cx="8821796" cy="4433992"/>
+              </a:xfrm>
+              <a:prstGeom prst="rect">
+                <a:avLst/>
+              </a:prstGeom>
+            </p:spPr>
+          </p:pic>
+          <p:grpSp>
+            <p:nvGrpSpPr>
+              <p:cNvPr id="8" name="Group 7">
+                <a:extLst>
+                  <a:ext uri="{FF2B5EF4-FFF2-40B4-BE49-F238E27FC236}">
+                    <a16:creationId xmlns:a16="http://schemas.microsoft.com/office/drawing/2014/main" id="{4A1CBCE5-AE40-4B49-8CCF-11898321DD07}"/>
+                  </a:ext>
+                </a:extLst>
+              </p:cNvPr>
+              <p:cNvGrpSpPr/>
+              <p:nvPr/>
+            </p:nvGrpSpPr>
+            <p:grpSpPr>
+              <a:xfrm>
+                <a:off x="1079457" y="3763441"/>
+                <a:ext cx="1563618" cy="1755125"/>
+                <a:chOff x="142462" y="2112271"/>
+                <a:chExt cx="1861114" cy="1861117"/>
+              </a:xfrm>
+            </p:grpSpPr>
+            <p:sp>
+              <p:nvSpPr>
+                <p:cNvPr id="9" name="Rounded Rectangle 8">
+                  <a:extLst>
+                    <a:ext uri="{FF2B5EF4-FFF2-40B4-BE49-F238E27FC236}">
+                      <a16:creationId xmlns:a16="http://schemas.microsoft.com/office/drawing/2014/main" id="{499700EC-C855-E143-8249-DAC95B035491}"/>
+                    </a:ext>
+                  </a:extLst>
+                </p:cNvPr>
+                <p:cNvSpPr/>
+                <p:nvPr/>
+              </p:nvSpPr>
+              <p:spPr>
+                <a:xfrm>
+                  <a:off x="142462" y="2112271"/>
+                  <a:ext cx="1403914" cy="1403915"/>
+                </a:xfrm>
+                <a:prstGeom prst="roundRect">
+                  <a:avLst>
+                    <a:gd name="adj" fmla="val 10000"/>
+                  </a:avLst>
+                </a:prstGeom>
+                <a:blipFill rotWithShape="1">
+                  <a:blip r:embed="rId5">
+                    <a:extLst>
+                      <a:ext uri="{28A0092B-C50C-407E-A947-70E740481C1C}">
+                        <a14:useLocalDpi xmlns:a14="http://schemas.microsoft.com/office/drawing/2010/main" val="0"/>
+                      </a:ext>
+                    </a:extLst>
+                  </a:blip>
+                  <a:srcRect/>
+                  <a:stretch>
+                    <a:fillRect t="-38000" b="-38000"/>
+                  </a:stretch>
+                </a:blipFill>
+              </p:spPr>
+              <p:style>
+                <a:lnRef idx="1">
+                  <a:schemeClr val="lt1">
+                    <a:hueOff val="0"/>
+                    <a:satOff val="0"/>
+                    <a:lumOff val="0"/>
+                    <a:alphaOff val="0"/>
+                  </a:schemeClr>
+                </a:lnRef>
+                <a:fillRef idx="1">
+                  <a:scrgbClr r="0" g="0" b="0"/>
+                </a:fillRef>
+                <a:effectRef idx="1">
+                  <a:schemeClr val="accent5">
+                    <a:tint val="50000"/>
+                    <a:hueOff val="0"/>
+                    <a:satOff val="0"/>
+                    <a:lumOff val="0"/>
+                    <a:alphaOff val="0"/>
+                  </a:schemeClr>
+                </a:effectRef>
+                <a:fontRef idx="minor">
+                  <a:schemeClr val="lt1">
+                    <a:hueOff val="0"/>
+                    <a:satOff val="0"/>
+                    <a:lumOff val="0"/>
+                    <a:alphaOff val="0"/>
+                  </a:schemeClr>
+                </a:fontRef>
+              </p:style>
+            </p:sp>
+            <p:sp>
+              <p:nvSpPr>
+                <p:cNvPr id="10" name="Rounded Rectangle 9">
+                  <a:extLst>
+                    <a:ext uri="{FF2B5EF4-FFF2-40B4-BE49-F238E27FC236}">
+                      <a16:creationId xmlns:a16="http://schemas.microsoft.com/office/drawing/2014/main" id="{57CD7174-FCDB-6845-9508-6FDF98150274}"/>
+                    </a:ext>
+                  </a:extLst>
+                </p:cNvPr>
+                <p:cNvSpPr/>
+                <p:nvPr/>
+              </p:nvSpPr>
+              <p:spPr>
+                <a:xfrm>
+                  <a:off x="294862" y="2264670"/>
+                  <a:ext cx="1403914" cy="1403913"/>
+                </a:xfrm>
+                <a:prstGeom prst="roundRect">
+                  <a:avLst>
+                    <a:gd name="adj" fmla="val 10000"/>
+                  </a:avLst>
+                </a:prstGeom>
+                <a:blipFill rotWithShape="1">
+                  <a:blip r:embed="rId5">
+                    <a:extLst>
+                      <a:ext uri="{28A0092B-C50C-407E-A947-70E740481C1C}">
+                        <a14:useLocalDpi xmlns:a14="http://schemas.microsoft.com/office/drawing/2010/main" val="0"/>
+                      </a:ext>
+                    </a:extLst>
+                  </a:blip>
+                  <a:srcRect/>
+                  <a:stretch>
+                    <a:fillRect t="-38000" b="-38000"/>
+                  </a:stretch>
+                </a:blipFill>
+              </p:spPr>
+              <p:style>
+                <a:lnRef idx="1">
+                  <a:schemeClr val="lt1">
+                    <a:hueOff val="0"/>
+                    <a:satOff val="0"/>
+                    <a:lumOff val="0"/>
+                    <a:alphaOff val="0"/>
+                  </a:schemeClr>
+                </a:lnRef>
+                <a:fillRef idx="1">
+                  <a:scrgbClr r="0" g="0" b="0"/>
+                </a:fillRef>
+                <a:effectRef idx="1">
+                  <a:schemeClr val="accent5">
+                    <a:tint val="50000"/>
+                    <a:hueOff val="0"/>
+                    <a:satOff val="0"/>
+                    <a:lumOff val="0"/>
+                    <a:alphaOff val="0"/>
+                  </a:schemeClr>
+                </a:effectRef>
+                <a:fontRef idx="minor">
+                  <a:schemeClr val="lt1">
+                    <a:hueOff val="0"/>
+                    <a:satOff val="0"/>
+                    <a:lumOff val="0"/>
+                    <a:alphaOff val="0"/>
+                  </a:schemeClr>
+                </a:fontRef>
+              </p:style>
+            </p:sp>
+            <p:sp>
+              <p:nvSpPr>
+                <p:cNvPr id="11" name="Rounded Rectangle 10">
+                  <a:extLst>
+                    <a:ext uri="{FF2B5EF4-FFF2-40B4-BE49-F238E27FC236}">
+                      <a16:creationId xmlns:a16="http://schemas.microsoft.com/office/drawing/2014/main" id="{1A632998-73CF-6E46-AB51-F3C97AC210EB}"/>
+                    </a:ext>
+                  </a:extLst>
+                </p:cNvPr>
+                <p:cNvSpPr/>
+                <p:nvPr/>
+              </p:nvSpPr>
+              <p:spPr>
+                <a:xfrm>
+                  <a:off x="447262" y="2417073"/>
+                  <a:ext cx="1403914" cy="1403914"/>
+                </a:xfrm>
+                <a:prstGeom prst="roundRect">
+                  <a:avLst>
+                    <a:gd name="adj" fmla="val 10000"/>
+                  </a:avLst>
+                </a:prstGeom>
+                <a:blipFill rotWithShape="1">
+                  <a:blip r:embed="rId5">
+                    <a:extLst>
+                      <a:ext uri="{28A0092B-C50C-407E-A947-70E740481C1C}">
+                        <a14:useLocalDpi xmlns:a14="http://schemas.microsoft.com/office/drawing/2010/main" val="0"/>
+                      </a:ext>
+                    </a:extLst>
+                  </a:blip>
+                  <a:srcRect/>
+                  <a:stretch>
+                    <a:fillRect t="-38000" b="-38000"/>
+                  </a:stretch>
+                </a:blipFill>
+              </p:spPr>
+              <p:style>
+                <a:lnRef idx="1">
+                  <a:schemeClr val="lt1">
+                    <a:hueOff val="0"/>
+                    <a:satOff val="0"/>
+                    <a:lumOff val="0"/>
+                    <a:alphaOff val="0"/>
+                  </a:schemeClr>
+                </a:lnRef>
+                <a:fillRef idx="1">
+                  <a:scrgbClr r="0" g="0" b="0"/>
+                </a:fillRef>
+                <a:effectRef idx="1">
+                  <a:schemeClr val="accent5">
+                    <a:tint val="50000"/>
+                    <a:hueOff val="0"/>
+                    <a:satOff val="0"/>
+                    <a:lumOff val="0"/>
+                    <a:alphaOff val="0"/>
+                  </a:schemeClr>
+                </a:effectRef>
+                <a:fontRef idx="minor">
+                  <a:schemeClr val="lt1">
+                    <a:hueOff val="0"/>
+                    <a:satOff val="0"/>
+                    <a:lumOff val="0"/>
+                    <a:alphaOff val="0"/>
+                  </a:schemeClr>
+                </a:fontRef>
+              </p:style>
+            </p:sp>
+            <p:sp>
+              <p:nvSpPr>
+                <p:cNvPr id="15" name="Rounded Rectangle 14">
+                  <a:extLst>
+                    <a:ext uri="{FF2B5EF4-FFF2-40B4-BE49-F238E27FC236}">
+                      <a16:creationId xmlns:a16="http://schemas.microsoft.com/office/drawing/2014/main" id="{E3E704D4-9B02-CE46-8C23-22E3726F31B3}"/>
+                    </a:ext>
+                  </a:extLst>
+                </p:cNvPr>
+                <p:cNvSpPr/>
+                <p:nvPr/>
+              </p:nvSpPr>
+              <p:spPr>
+                <a:xfrm>
+                  <a:off x="599662" y="2569474"/>
+                  <a:ext cx="1403914" cy="1403914"/>
+                </a:xfrm>
+                <a:prstGeom prst="roundRect">
+                  <a:avLst>
+                    <a:gd name="adj" fmla="val 10000"/>
+                  </a:avLst>
+                </a:prstGeom>
+                <a:blipFill rotWithShape="1">
+                  <a:blip r:embed="rId5">
+                    <a:extLst>
+                      <a:ext uri="{28A0092B-C50C-407E-A947-70E740481C1C}">
+                        <a14:useLocalDpi xmlns:a14="http://schemas.microsoft.com/office/drawing/2010/main" val="0"/>
+                      </a:ext>
+                    </a:extLst>
+                  </a:blip>
+                  <a:srcRect/>
+                  <a:stretch>
+                    <a:fillRect t="-38000" b="-38000"/>
+                  </a:stretch>
+                </a:blipFill>
+              </p:spPr>
+              <p:style>
+                <a:lnRef idx="1">
+                  <a:schemeClr val="lt1">
+                    <a:hueOff val="0"/>
+                    <a:satOff val="0"/>
+                    <a:lumOff val="0"/>
+                    <a:alphaOff val="0"/>
+                  </a:schemeClr>
+                </a:lnRef>
+                <a:fillRef idx="1">
+                  <a:scrgbClr r="0" g="0" b="0"/>
+                </a:fillRef>
+                <a:effectRef idx="1">
+                  <a:schemeClr val="accent5">
+                    <a:tint val="50000"/>
+                    <a:hueOff val="0"/>
+                    <a:satOff val="0"/>
+                    <a:lumOff val="0"/>
+                    <a:alphaOff val="0"/>
+                  </a:schemeClr>
+                </a:effectRef>
+                <a:fontRef idx="minor">
+                  <a:schemeClr val="lt1">
+                    <a:hueOff val="0"/>
+                    <a:satOff val="0"/>
+                    <a:lumOff val="0"/>
+                    <a:alphaOff val="0"/>
+                  </a:schemeClr>
+                </a:fontRef>
+              </p:style>
+            </p:sp>
+          </p:grpSp>
+          <p:sp>
+            <p:nvSpPr>
+              <p:cNvPr id="2" name="Rectangle 1">
+                <a:extLst>
+                  <a:ext uri="{FF2B5EF4-FFF2-40B4-BE49-F238E27FC236}">
+                    <a16:creationId xmlns:a16="http://schemas.microsoft.com/office/drawing/2014/main" id="{DE5A5383-709C-B445-832A-EF6AF6D8C461}"/>
+                  </a:ext>
+                </a:extLst>
+              </p:cNvPr>
+              <p:cNvSpPr/>
+              <p:nvPr/>
+            </p:nvSpPr>
+            <p:spPr>
+              <a:xfrm>
+                <a:off x="1463574" y="2359718"/>
+                <a:ext cx="1636465" cy="544257"/>
+              </a:xfrm>
+              <a:prstGeom prst="rect">
+                <a:avLst/>
+              </a:prstGeom>
+              <a:ln>
+                <a:noFill/>
+              </a:ln>
+            </p:spPr>
+            <p:style>
+              <a:lnRef idx="2">
+                <a:schemeClr val="accent6"/>
+              </a:lnRef>
+              <a:fillRef idx="1">
+                <a:schemeClr val="lt1"/>
+              </a:fillRef>
+              <a:effectRef idx="0">
+                <a:schemeClr val="accent6"/>
+              </a:effectRef>
+              <a:fontRef idx="minor">
+                <a:schemeClr val="dk1"/>
+              </a:fontRef>
+            </p:style>
+            <p:txBody>
+              <a:bodyPr rtlCol="0" anchor="ctr"/>
+              <a:lstStyle/>
+              <a:p>
+                <a:pPr algn="ctr"/>
+                <a:endParaRPr lang="en-US"/>
+              </a:p>
+            </p:txBody>
+          </p:sp>
+          <p:sp>
+            <p:nvSpPr>
+              <p:cNvPr id="16" name="TextBox 15">
+                <a:extLst>
+                  <a:ext uri="{FF2B5EF4-FFF2-40B4-BE49-F238E27FC236}">
+                    <a16:creationId xmlns:a16="http://schemas.microsoft.com/office/drawing/2014/main" id="{9A47E387-A543-F240-98DF-18AF7BA66A25}"/>
+                  </a:ext>
+                </a:extLst>
+              </p:cNvPr>
+              <p:cNvSpPr txBox="1"/>
+              <p:nvPr/>
+            </p:nvSpPr>
+            <p:spPr>
+              <a:xfrm>
+                <a:off x="1008689" y="2370757"/>
+                <a:ext cx="1833194" cy="533590"/>
+              </a:xfrm>
+              <a:prstGeom prst="rect">
+                <a:avLst/>
+              </a:prstGeom>
+              <a:noFill/>
+              <a:ln>
+                <a:noFill/>
+              </a:ln>
+            </p:spPr>
+            <p:txBody>
+              <a:bodyPr wrap="square" rtlCol="0">
+                <a:spAutoFit/>
+              </a:bodyPr>
+              <a:lstStyle/>
+              <a:p>
+                <a:pPr algn="ctr"/>
+                <a:r>
+                  <a:rPr lang="en-US" sz="1470" b="1" dirty="0"/>
+                  <a:t>DATA </a:t>
+                </a:r>
+              </a:p>
+              <a:p>
+                <a:pPr algn="ctr"/>
+                <a:r>
+                  <a:rPr lang="en-US" sz="1470" b="1" dirty="0"/>
+                  <a:t>PRE-PROCESSING</a:t>
+                </a:r>
+              </a:p>
+            </p:txBody>
+          </p:sp>
+        </p:grpSp>
+        <p:pic>
+          <p:nvPicPr>
+            <p:cNvPr id="18" name="Grafik 10">
+              <a:extLst>
+                <a:ext uri="{FF2B5EF4-FFF2-40B4-BE49-F238E27FC236}">
+                  <a16:creationId xmlns:a16="http://schemas.microsoft.com/office/drawing/2014/main" id="{1C0A6595-A4A3-5F4D-869E-0807FD792B88}"/>
+                </a:ext>
+              </a:extLst>
+            </p:cNvPr>
+            <p:cNvPicPr>
+              <a:picLocks noChangeAspect="1"/>
+            </p:cNvPicPr>
+            <p:nvPr/>
+          </p:nvPicPr>
+          <p:blipFill>
+            <a:blip r:embed="rId6"/>
+            <a:stretch>
+              <a:fillRect/>
+            </a:stretch>
+          </p:blipFill>
+          <p:spPr>
+            <a:xfrm>
+              <a:off x="43439" y="49889"/>
+              <a:ext cx="753074" cy="753074"/>
+            </a:xfrm>
+            <a:prstGeom prst="rect">
+              <a:avLst/>
+            </a:prstGeom>
+          </p:spPr>
+        </p:pic>
+      </p:grpSp>
     </p:spTree>
     <p:extLst>
       <p:ext uri="{BB962C8B-B14F-4D97-AF65-F5344CB8AC3E}">
-        <p14:creationId xmlns:p14="http://schemas.microsoft.com/office/powerpoint/2010/main" val="340628720"/>
+        <p14:creationId xmlns:p14="http://schemas.microsoft.com/office/powerpoint/2010/main" val="2212824849"/>
       </p:ext>
     </p:extLst>
   </p:cSld>
